--- a/lectures/11-info-flow-1.pptx
+++ b/lectures/11-info-flow-1.pptx
@@ -11072,12 +11072,12 @@
               <a:t>Based on system call delegation. </a:t>
             </a:r>
             <a:r>
-              <a:rPr lang="en-US" sz="2400" dirty="0" err="1" smtClean="0"/>
-              <a:t>Bulit</a:t>
+              <a:rPr lang="en-US" sz="2400" smtClean="0"/>
+              <a:t>Built </a:t>
             </a:r>
             <a:r>
               <a:rPr lang="en-US" sz="2400" dirty="0" smtClean="0"/>
-              <a:t> in user-space with a few small kernel patches on top of Linux and </a:t>
+              <a:t>in user-space with a few small kernel patches on top of Linux and </a:t>
             </a:r>
             <a:r>
               <a:rPr lang="en-US" sz="2400" dirty="0" err="1" smtClean="0"/>
@@ -14269,13 +14269,8 @@
             </a:r>
             <a:r>
               <a:rPr lang="en-US" dirty="0" smtClean="0"/>
-              <a:t>that specifies what subset of its privileges should be used when </a:t>
-            </a:r>
-            <a:r>
-              <a:rPr lang="en-US" smtClean="0"/>
-              <a:t>communicating.</a:t>
-            </a:r>
-            <a:endParaRPr lang="en-US" dirty="0" smtClean="0"/>
+              <a:t>that specifies what subset of its privileges should be used when communicating.</a:t>
+            </a:r>
           </a:p>
         </p:txBody>
       </p:sp>
